--- a/Group7_ETL_Proposal.pptx
+++ b/Group7_ETL_Proposal.pptx
@@ -3952,13 +3952,8 @@
           <a:p>
             <a:r>
               <a:rPr lang="en-US" dirty="0"/>
-              <a:t>The additional table with other </a:t>
-            </a:r>
-            <a:r>
-              <a:rPr lang="en-US"/>
-              <a:t>revenue types</a:t>
-            </a:r>
-            <a:endParaRPr lang="en-US" dirty="0"/>
+              <a:t>The additional table with other revenue types</a:t>
+            </a:r>
           </a:p>
           <a:p>
             <a:r>
